--- a/lectures/Lesson-2.pptx
+++ b/lectures/Lesson-2.pptx
@@ -374,7 +374,7 @@
           <a:p>
             <a:fld id="{0BAD5166-F687-F54C-8745-DEE439776C39}" type="datetimeFigureOut">
               <a:rPr lang="en-US" smtClean="0"/>
-              <a:t>10/1/2015</a:t>
+              <a:t>10/21/2015</a:t>
             </a:fld>
             <a:endParaRPr lang="en-US"/>
           </a:p>
@@ -465,7 +465,7 @@
           <a:p>
             <a:fld id="{0BAD5166-F687-F54C-8745-DEE439776C39}" type="datetimeFigureOut">
               <a:rPr lang="en-US" smtClean="0"/>
-              <a:t>10/1/2015</a:t>
+              <a:t>10/21/2015</a:t>
             </a:fld>
             <a:endParaRPr lang="en-US"/>
           </a:p>
@@ -768,7 +768,7 @@
           <a:p>
             <a:fld id="{0BAD5166-F687-F54C-8745-DEE439776C39}" type="datetimeFigureOut">
               <a:rPr lang="en-US" smtClean="0"/>
-              <a:t>10/1/2015</a:t>
+              <a:t>10/21/2015</a:t>
             </a:fld>
             <a:endParaRPr lang="en-US"/>
           </a:p>
@@ -990,7 +990,7 @@
           <a:p>
             <a:fld id="{0BAD5166-F687-F54C-8745-DEE439776C39}" type="datetimeFigureOut">
               <a:rPr lang="en-US" smtClean="0"/>
-              <a:t>10/1/2015</a:t>
+              <a:t>10/21/2015</a:t>
             </a:fld>
             <a:endParaRPr lang="en-US"/>
           </a:p>
@@ -1378,7 +1378,7 @@
           <a:p>
             <a:fld id="{0BAD5166-F687-F54C-8745-DEE439776C39}" type="datetimeFigureOut">
               <a:rPr lang="en-US" smtClean="0"/>
-              <a:t>10/1/2015</a:t>
+              <a:t>10/21/2015</a:t>
             </a:fld>
             <a:endParaRPr lang="en-US"/>
           </a:p>
@@ -1686,7 +1686,7 @@
           <a:p>
             <a:fld id="{0BAD5166-F687-F54C-8745-DEE439776C39}" type="datetimeFigureOut">
               <a:rPr lang="en-US" smtClean="0"/>
-              <a:t>10/1/2015</a:t>
+              <a:t>10/21/2015</a:t>
             </a:fld>
             <a:endParaRPr lang="en-US"/>
           </a:p>
@@ -1884,7 +1884,7 @@
           <a:p>
             <a:fld id="{0BAD5166-F687-F54C-8745-DEE439776C39}" type="datetimeFigureOut">
               <a:rPr lang="en-US" smtClean="0"/>
-              <a:t>10/1/2015</a:t>
+              <a:t>10/21/2015</a:t>
             </a:fld>
             <a:endParaRPr lang="en-US"/>
           </a:p>
@@ -2087,7 +2087,7 @@
           <a:p>
             <a:fld id="{0BAD5166-F687-F54C-8745-DEE439776C39}" type="datetimeFigureOut">
               <a:rPr lang="en-US" smtClean="0"/>
-              <a:t>10/1/2015</a:t>
+              <a:t>10/21/2015</a:t>
             </a:fld>
             <a:endParaRPr lang="en-US"/>
           </a:p>
@@ -2280,7 +2280,7 @@
           <a:p>
             <a:fld id="{0BAD5166-F687-F54C-8745-DEE439776C39}" type="datetimeFigureOut">
               <a:rPr lang="en-US" smtClean="0"/>
-              <a:t>10/1/2015</a:t>
+              <a:t>10/21/2015</a:t>
             </a:fld>
             <a:endParaRPr lang="en-US"/>
           </a:p>
@@ -2552,7 +2552,7 @@
           <a:p>
             <a:fld id="{0BAD5166-F687-F54C-8745-DEE439776C39}" type="datetimeFigureOut">
               <a:rPr lang="en-US" smtClean="0"/>
-              <a:t>10/1/2015</a:t>
+              <a:t>10/21/2015</a:t>
             </a:fld>
             <a:endParaRPr lang="en-US"/>
           </a:p>
@@ -2863,7 +2863,7 @@
           <a:p>
             <a:fld id="{0BAD5166-F687-F54C-8745-DEE439776C39}" type="datetimeFigureOut">
               <a:rPr lang="en-US" smtClean="0"/>
-              <a:t>10/1/2015</a:t>
+              <a:t>10/21/2015</a:t>
             </a:fld>
             <a:endParaRPr lang="en-US"/>
           </a:p>
@@ -3329,7 +3329,7 @@
           <a:p>
             <a:fld id="{0BAD5166-F687-F54C-8745-DEE439776C39}" type="datetimeFigureOut">
               <a:rPr lang="en-US" smtClean="0"/>
-              <a:t>10/1/2015</a:t>
+              <a:t>10/21/2015</a:t>
             </a:fld>
             <a:endParaRPr lang="en-US"/>
           </a:p>
@@ -3693,7 +3693,7 @@
           <a:p>
             <a:fld id="{0BAD5166-F687-F54C-8745-DEE439776C39}" type="datetimeFigureOut">
               <a:rPr lang="en-US" smtClean="0"/>
-              <a:t>10/1/2015</a:t>
+              <a:t>10/21/2015</a:t>
             </a:fld>
             <a:endParaRPr lang="en-US"/>
           </a:p>
@@ -4004,7 +4004,7 @@
           <a:p>
             <a:fld id="{0BAD5166-F687-F54C-8745-DEE439776C39}" type="datetimeFigureOut">
               <a:rPr lang="en-US" smtClean="0"/>
-              <a:t>10/1/2015</a:t>
+              <a:t>10/21/2015</a:t>
             </a:fld>
             <a:endParaRPr lang="en-US"/>
           </a:p>
@@ -4315,7 +4315,7 @@
           <a:p>
             <a:fld id="{0BAD5166-F687-F54C-8745-DEE439776C39}" type="datetimeFigureOut">
               <a:rPr lang="en-US" smtClean="0"/>
-              <a:t>10/1/2015</a:t>
+              <a:t>10/21/2015</a:t>
             </a:fld>
             <a:endParaRPr lang="en-US"/>
           </a:p>
@@ -4800,7 +4800,7 @@
           <a:p>
             <a:fld id="{0BAD5166-F687-F54C-8745-DEE439776C39}" type="datetimeFigureOut">
               <a:rPr lang="en-US" smtClean="0"/>
-              <a:t>10/1/2015</a:t>
+              <a:t>10/21/2015</a:t>
             </a:fld>
             <a:endParaRPr lang="en-US"/>
           </a:p>
@@ -5063,7 +5063,7 @@
           <a:p>
             <a:fld id="{0BAD5166-F687-F54C-8745-DEE439776C39}" type="datetimeFigureOut">
               <a:rPr lang="en-US" smtClean="0"/>
-              <a:t>10/1/2015</a:t>
+              <a:t>10/21/2015</a:t>
             </a:fld>
             <a:endParaRPr lang="en-US"/>
           </a:p>
@@ -5753,19 +5753,11 @@
           <a:p>
             <a:r>
               <a:rPr lang="en-US" dirty="0" smtClean="0"/>
-              <a:t>Products a </a:t>
-            </a:r>
-            <a:r>
-              <a:rPr lang="en-US" dirty="0" smtClean="0"/>
-              <a:t>country gives to another in return for other products </a:t>
-            </a:r>
-            <a:r>
-              <a:rPr lang="en-US" smtClean="0"/>
-              <a:t>or </a:t>
-            </a:r>
-            <a:r>
-              <a:rPr lang="en-US" smtClean="0"/>
-              <a:t>money</a:t>
+              <a:t>Products a country gives to another in return for other products </a:t>
+            </a:r>
+            <a:r>
+              <a:rPr lang="en-US" smtClean="0"/>
+              <a:t>or money</a:t>
             </a:r>
             <a:endParaRPr lang="en-US" dirty="0"/>
           </a:p>
@@ -5912,11 +5904,7 @@
           <a:p>
             <a:r>
               <a:rPr lang="en-US" dirty="0" smtClean="0"/>
-              <a:t>Top </a:t>
-            </a:r>
-            <a:r>
-              <a:rPr lang="en-US" dirty="0" smtClean="0"/>
-              <a:t>5 GDP</a:t>
+              <a:t>Top 5 GDP</a:t>
             </a:r>
             <a:endParaRPr lang="en-US" dirty="0"/>
           </a:p>
@@ -6292,11 +6280,7 @@
           <a:p>
             <a:r>
               <a:rPr lang="en-US" dirty="0" smtClean="0"/>
-              <a:t>Talk about </a:t>
-            </a:r>
-            <a:r>
-              <a:rPr lang="en-US" dirty="0" smtClean="0"/>
-              <a:t>Money</a:t>
+              <a:t>Talk about Money</a:t>
             </a:r>
             <a:endParaRPr lang="en-US" dirty="0"/>
           </a:p>
@@ -6395,28 +6379,12 @@
               <a:t>Website: </a:t>
             </a:r>
             <a:r>
-              <a:rPr lang="en-US" dirty="0" smtClean="0">
+              <a:rPr lang="en-US" smtClean="0">
                 <a:hlinkClick r:id="rId3"/>
               </a:rPr>
               <a:t>edunomics.club</a:t>
             </a:r>
             <a:endParaRPr lang="en-US" dirty="0" smtClean="0"/>
-          </a:p>
-          <a:p>
-            <a:r>
-              <a:rPr lang="en-US" dirty="0" smtClean="0"/>
-              <a:t>Email list: </a:t>
-            </a:r>
-            <a:r>
-              <a:rPr lang="en-US" dirty="0" smtClean="0">
-                <a:hlinkClick r:id="rId4"/>
-              </a:rPr>
-              <a:t>http://bit.ly/1FxWCnS</a:t>
-            </a:r>
-            <a:endParaRPr lang="en-US" dirty="0" smtClean="0"/>
-          </a:p>
-          <a:p>
-            <a:endParaRPr lang="en-US" dirty="0"/>
           </a:p>
         </p:txBody>
       </p:sp>
@@ -6503,11 +6471,7 @@
           <a:p>
             <a:r>
               <a:rPr lang="en-US" dirty="0" smtClean="0"/>
-              <a:t>Talk about </a:t>
-            </a:r>
-            <a:r>
-              <a:rPr lang="en-US" dirty="0" smtClean="0"/>
-              <a:t>GDP and Unemployment</a:t>
+              <a:t>Talk about GDP and Unemployment</a:t>
             </a:r>
           </a:p>
           <a:p>
@@ -6610,7 +6574,6 @@
               <a:rPr lang="en-US" dirty="0" smtClean="0"/>
               <a:t>Finance</a:t>
             </a:r>
-            <a:endParaRPr lang="en-US" dirty="0" smtClean="0"/>
           </a:p>
           <a:p>
             <a:r>
@@ -6812,11 +6775,7 @@
           <a:p>
             <a:r>
               <a:rPr lang="en-US" dirty="0" smtClean="0"/>
-              <a:t>Gross Domestic Product (GDP</a:t>
-            </a:r>
-            <a:r>
-              <a:rPr lang="en-US" dirty="0" smtClean="0"/>
-              <a:t>) is the measure of all finished goods and services in a country</a:t>
+              <a:t>Gross Domestic Product (GDP) is the measure of all finished goods and services in a country</a:t>
             </a:r>
           </a:p>
           <a:p>
@@ -6922,60 +6881,34 @@
           <a:p>
             <a:r>
               <a:rPr lang="en-US" dirty="0" smtClean="0"/>
-              <a:t>Y = </a:t>
-            </a:r>
+              <a:t>Y = C + I + G +(X - M)</a:t>
+            </a:r>
+          </a:p>
+          <a:p>
+            <a:endParaRPr lang="en-US" dirty="0"/>
+          </a:p>
+          <a:p>
             <a:r>
               <a:rPr lang="en-US" dirty="0" smtClean="0"/>
-              <a:t>C + I + G +(X - M)</a:t>
-            </a:r>
-          </a:p>
-          <a:p>
-            <a:endParaRPr lang="en-US" dirty="0"/>
-          </a:p>
-          <a:p>
-            <a:r>
-              <a:rPr lang="en-US" dirty="0" smtClean="0"/>
-              <a:t>C </a:t>
-            </a:r>
-            <a:r>
-              <a:rPr lang="en-US" dirty="0" smtClean="0"/>
-              <a:t>= Consumption</a:t>
-            </a:r>
-            <a:endParaRPr lang="en-US" dirty="0" smtClean="0"/>
+              <a:t>C = Consumption</a:t>
+            </a:r>
           </a:p>
           <a:p>
             <a:r>
               <a:rPr lang="en-US" dirty="0" smtClean="0"/>
               <a:t>I = Investment</a:t>
             </a:r>
-            <a:endParaRPr lang="en-US" dirty="0" smtClean="0"/>
           </a:p>
           <a:p>
             <a:r>
               <a:rPr lang="en-US" dirty="0" smtClean="0"/>
-              <a:t>G </a:t>
-            </a:r>
+              <a:t>G = Government Spending</a:t>
+            </a:r>
+          </a:p>
+          <a:p>
             <a:r>
               <a:rPr lang="en-US" dirty="0" smtClean="0"/>
-              <a:t>= Government </a:t>
-            </a:r>
-            <a:r>
-              <a:rPr lang="en-US" dirty="0" smtClean="0"/>
-              <a:t>Spending</a:t>
-            </a:r>
-          </a:p>
-          <a:p>
-            <a:r>
-              <a:rPr lang="en-US" dirty="0" smtClean="0"/>
-              <a:t>(X-M</a:t>
-            </a:r>
-            <a:r>
-              <a:rPr lang="en-US" dirty="0" smtClean="0"/>
-              <a:t>) = </a:t>
-            </a:r>
-            <a:r>
-              <a:rPr lang="en-US" dirty="0" smtClean="0"/>
-              <a:t>Net Exports</a:t>
+              <a:t>(X-M) = Net Exports</a:t>
             </a:r>
             <a:endParaRPr lang="en-US" dirty="0"/>
           </a:p>
@@ -7064,11 +6997,7 @@
           <a:p>
             <a:r>
               <a:rPr lang="en-US" dirty="0" smtClean="0"/>
-              <a:t>Household </a:t>
-            </a:r>
-            <a:r>
-              <a:rPr lang="en-US" dirty="0" smtClean="0"/>
-              <a:t>level</a:t>
+              <a:t>Household level</a:t>
             </a:r>
           </a:p>
           <a:p>
@@ -7165,7 +7094,6 @@
               <a:rPr lang="en-US" dirty="0" smtClean="0"/>
               <a:t>Lending money to make profits</a:t>
             </a:r>
-            <a:endParaRPr lang="en-US" dirty="0" smtClean="0"/>
           </a:p>
           <a:p>
             <a:r>
@@ -7259,15 +7187,7 @@
           <a:p>
             <a:r>
               <a:rPr lang="en-US" dirty="0" smtClean="0"/>
-              <a:t>Examples of things the government may </a:t>
-            </a:r>
-            <a:r>
-              <a:rPr lang="en-US" dirty="0" smtClean="0"/>
-              <a:t>spend money on are </a:t>
-            </a:r>
-            <a:r>
-              <a:rPr lang="en-US" dirty="0" smtClean="0"/>
-              <a:t>salaries, military equipment, etc.</a:t>
+              <a:t>Examples of things the government may spend money on are salaries, military equipment, etc.</a:t>
             </a:r>
             <a:endParaRPr lang="en-US" dirty="0"/>
           </a:p>
